--- a/standardiser.pptx
+++ b/standardiser.pptx
@@ -26,7 +26,8 @@
     <p:sldId id="314" r:id="rId20"/>
     <p:sldId id="311" r:id="rId21"/>
     <p:sldId id="312" r:id="rId22"/>
-    <p:sldId id="315" r:id="rId23"/>
+    <p:sldId id="316" r:id="rId23"/>
+    <p:sldId id="315" r:id="rId24"/>
   </p:sldIdLst>
   <p:sldSz cx="9144000" cy="6858000" type="screen4x3"/>
   <p:notesSz cx="6858000" cy="9144000"/>
@@ -5254,11 +5255,7 @@
           <a:p>
             <a:r>
               <a:rPr lang="en-US" dirty="0" smtClean="0"/>
-              <a:t>Key differences </a:t>
-            </a:r>
-            <a:r>
-              <a:rPr lang="en-US" dirty="0" smtClean="0"/>
-              <a:t>to ChEMBL</a:t>
+              <a:t>Key differences to ChEMBL</a:t>
             </a:r>
             <a:endParaRPr lang="en-US" dirty="0"/>
           </a:p>
@@ -7110,6 +7107,350 @@
             <p:ph type="title"/>
           </p:nvPr>
         </p:nvSpPr>
+        <p:spPr>
+          <a:xfrm>
+            <a:off x="457200" y="109998"/>
+            <a:ext cx="8229600" cy="1143000"/>
+          </a:xfrm>
+        </p:spPr>
+        <p:txBody>
+          <a:bodyPr/>
+          <a:lstStyle/>
+          <a:p>
+            <a:r>
+              <a:rPr lang="en-US" dirty="0" smtClean="0"/>
+              <a:t>Futher Documentation</a:t>
+            </a:r>
+            <a:endParaRPr lang="en-US" dirty="0"/>
+          </a:p>
+        </p:txBody>
+      </p:sp>
+      <p:sp>
+        <p:nvSpPr>
+          <p:cNvPr id="6" name="TextBox 5"/>
+          <p:cNvSpPr txBox="1"/>
+          <p:nvPr/>
+        </p:nvSpPr>
+        <p:spPr>
+          <a:xfrm>
+            <a:off x="3880639" y="4703973"/>
+            <a:ext cx="184666" cy="369332"/>
+          </a:xfrm>
+          <a:prstGeom prst="rect">
+            <a:avLst/>
+          </a:prstGeom>
+          <a:noFill/>
+        </p:spPr>
+        <p:txBody>
+          <a:bodyPr wrap="none" rtlCol="0">
+            <a:spAutoFit/>
+          </a:bodyPr>
+          <a:lstStyle/>
+          <a:p>
+            <a:endParaRPr lang="en-US" dirty="0"/>
+          </a:p>
+        </p:txBody>
+      </p:sp>
+      <p:sp>
+        <p:nvSpPr>
+          <p:cNvPr id="9" name="TextBox 8"/>
+          <p:cNvSpPr txBox="1"/>
+          <p:nvPr/>
+        </p:nvSpPr>
+        <p:spPr>
+          <a:xfrm>
+            <a:off x="136214" y="1055937"/>
+            <a:ext cx="8550586" cy="1077218"/>
+          </a:xfrm>
+          <a:prstGeom prst="rect">
+            <a:avLst/>
+          </a:prstGeom>
+          <a:noFill/>
+        </p:spPr>
+        <p:txBody>
+          <a:bodyPr wrap="square" rtlCol="0">
+            <a:spAutoFit/>
+          </a:bodyPr>
+          <a:lstStyle/>
+          <a:p>
+            <a:pPr marL="285750" indent="-285750">
+              <a:buFont typeface="Arial"/>
+              <a:buChar char="•"/>
+            </a:pPr>
+            <a:r>
+              <a:rPr lang="en-US" sz="2400" dirty="0" smtClean="0"/>
+              <a:t>The tool will be run on diverse test sets and the results posted</a:t>
+            </a:r>
+          </a:p>
+          <a:p>
+            <a:pPr marL="742950" lvl="1" indent="-285750">
+              <a:buFont typeface="Arial"/>
+              <a:buChar char="•"/>
+            </a:pPr>
+            <a:r>
+              <a:rPr lang="en-US" sz="2000" dirty="0" smtClean="0"/>
+              <a:t>Again, designed to detect flaws and promote discussion</a:t>
+            </a:r>
+          </a:p>
+          <a:p>
+            <a:pPr marL="742950" lvl="1" indent="-285750">
+              <a:buFont typeface="Arial"/>
+              <a:buChar char="•"/>
+            </a:pPr>
+            <a:r>
+              <a:rPr lang="en-US" sz="2000" dirty="0" smtClean="0"/>
+              <a:t>One example up so far…</a:t>
+            </a:r>
+            <a:endParaRPr lang="en-US" sz="2000" dirty="0"/>
+          </a:p>
+        </p:txBody>
+      </p:sp>
+      <p:pic>
+        <p:nvPicPr>
+          <p:cNvPr id="4" name="Picture 3"/>
+          <p:cNvPicPr>
+            <a:picLocks noChangeAspect="1"/>
+          </p:cNvPicPr>
+          <p:nvPr/>
+        </p:nvPicPr>
+        <p:blipFill>
+          <a:blip r:embed="rId2"/>
+          <a:stretch>
+            <a:fillRect/>
+          </a:stretch>
+        </p:blipFill>
+        <p:spPr>
+          <a:xfrm>
+            <a:off x="4849834" y="1990018"/>
+            <a:ext cx="3998506" cy="4626904"/>
+          </a:xfrm>
+          <a:prstGeom prst="rect">
+            <a:avLst/>
+          </a:prstGeom>
+        </p:spPr>
+      </p:pic>
+      <p:pic>
+        <p:nvPicPr>
+          <p:cNvPr id="5" name="Picture 4"/>
+          <p:cNvPicPr>
+            <a:picLocks noChangeAspect="1"/>
+          </p:cNvPicPr>
+          <p:nvPr/>
+        </p:nvPicPr>
+        <p:blipFill>
+          <a:blip r:embed="rId3"/>
+          <a:stretch>
+            <a:fillRect/>
+          </a:stretch>
+        </p:blipFill>
+        <p:spPr>
+          <a:xfrm>
+            <a:off x="300405" y="2461743"/>
+            <a:ext cx="4459643" cy="4037579"/>
+          </a:xfrm>
+          <a:prstGeom prst="rect">
+            <a:avLst/>
+          </a:prstGeom>
+        </p:spPr>
+      </p:pic>
+      <p:grpSp>
+        <p:nvGrpSpPr>
+          <p:cNvPr id="20" name="Group 19"/>
+          <p:cNvGrpSpPr/>
+          <p:nvPr/>
+        </p:nvGrpSpPr>
+        <p:grpSpPr>
+          <a:xfrm>
+            <a:off x="5182022" y="5243220"/>
+            <a:ext cx="2830125" cy="699465"/>
+            <a:chOff x="5182022" y="5243220"/>
+            <a:chExt cx="2830125" cy="699465"/>
+          </a:xfrm>
+        </p:grpSpPr>
+        <p:sp>
+          <p:nvSpPr>
+            <p:cNvPr id="10" name="TextBox 9"/>
+            <p:cNvSpPr txBox="1"/>
+            <p:nvPr/>
+          </p:nvSpPr>
+          <p:spPr>
+            <a:xfrm>
+              <a:off x="5182022" y="5243220"/>
+              <a:ext cx="1698264" cy="369332"/>
+            </a:xfrm>
+            <a:prstGeom prst="rect">
+              <a:avLst/>
+            </a:prstGeom>
+            <a:solidFill>
+              <a:schemeClr val="bg1"/>
+            </a:solidFill>
+          </p:spPr>
+          <p:txBody>
+            <a:bodyPr wrap="none" rtlCol="0">
+              <a:spAutoFit/>
+            </a:bodyPr>
+            <a:lstStyle/>
+            <a:p>
+              <a:r>
+                <a:rPr lang="en-US" dirty="0" smtClean="0"/>
+                <a:t>This isn’t good… </a:t>
+              </a:r>
+              <a:endParaRPr lang="en-US" dirty="0"/>
+            </a:p>
+          </p:txBody>
+        </p:sp>
+        <p:cxnSp>
+          <p:nvCxnSpPr>
+            <p:cNvPr id="12" name="Straight Arrow Connector 11"/>
+            <p:cNvCxnSpPr/>
+            <p:nvPr/>
+          </p:nvCxnSpPr>
+          <p:spPr>
+            <a:xfrm>
+              <a:off x="6864610" y="5482766"/>
+              <a:ext cx="1147537" cy="459919"/>
+            </a:xfrm>
+            <a:prstGeom prst="straightConnector1">
+              <a:avLst/>
+            </a:prstGeom>
+            <a:ln>
+              <a:solidFill>
+                <a:srgbClr val="FF0000"/>
+              </a:solidFill>
+              <a:tailEnd type="arrow"/>
+            </a:ln>
+          </p:spPr>
+          <p:style>
+            <a:lnRef idx="2">
+              <a:schemeClr val="accent1"/>
+            </a:lnRef>
+            <a:fillRef idx="0">
+              <a:schemeClr val="accent1"/>
+            </a:fillRef>
+            <a:effectRef idx="1">
+              <a:schemeClr val="accent1"/>
+            </a:effectRef>
+            <a:fontRef idx="minor">
+              <a:schemeClr val="tx1"/>
+            </a:fontRef>
+          </p:style>
+        </p:cxnSp>
+      </p:grpSp>
+    </p:spTree>
+    <p:extLst>
+      <p:ext uri="{BB962C8B-B14F-4D97-AF65-F5344CB8AC3E}">
+        <p14:creationId xmlns:p14="http://schemas.microsoft.com/office/powerpoint/2010/main" val="2588479601"/>
+      </p:ext>
+    </p:extLst>
+  </p:cSld>
+  <p:clrMapOvr>
+    <a:masterClrMapping/>
+  </p:clrMapOvr>
+  <p:timing>
+    <p:tnLst>
+      <p:par>
+        <p:cTn xmlns:p14="http://schemas.microsoft.com/office/powerpoint/2010/main" id="1" dur="indefinite" restart="never" nodeType="tmRoot">
+          <p:childTnLst>
+            <p:seq concurrent="1" nextAc="seek">
+              <p:cTn id="2" dur="indefinite" nodeType="mainSeq">
+                <p:childTnLst>
+                  <p:par>
+                    <p:cTn id="3" fill="hold">
+                      <p:stCondLst>
+                        <p:cond delay="indefinite"/>
+                      </p:stCondLst>
+                      <p:childTnLst>
+                        <p:par>
+                          <p:cTn id="4" fill="hold">
+                            <p:stCondLst>
+                              <p:cond delay="0"/>
+                            </p:stCondLst>
+                            <p:childTnLst>
+                              <p:par>
+                                <p:cTn id="5" presetID="1" presetClass="entr" presetSubtype="0" fill="hold" nodeType="clickEffect">
+                                  <p:stCondLst>
+                                    <p:cond delay="0"/>
+                                  </p:stCondLst>
+                                  <p:childTnLst>
+                                    <p:set>
+                                      <p:cBhvr>
+                                        <p:cTn id="6" dur="1" fill="hold">
+                                          <p:stCondLst>
+                                            <p:cond delay="0"/>
+                                          </p:stCondLst>
+                                        </p:cTn>
+                                        <p:tgtEl>
+                                          <p:spTgt spid="20"/>
+                                        </p:tgtEl>
+                                        <p:attrNameLst>
+                                          <p:attrName>style.visibility</p:attrName>
+                                        </p:attrNameLst>
+                                      </p:cBhvr>
+                                      <p:to>
+                                        <p:strVal val="visible"/>
+                                      </p:to>
+                                    </p:set>
+                                  </p:childTnLst>
+                                </p:cTn>
+                              </p:par>
+                            </p:childTnLst>
+                          </p:cTn>
+                        </p:par>
+                      </p:childTnLst>
+                    </p:cTn>
+                  </p:par>
+                </p:childTnLst>
+              </p:cTn>
+              <p:prevCondLst>
+                <p:cond evt="onPrev" delay="0">
+                  <p:tgtEl>
+                    <p:sldTgt/>
+                  </p:tgtEl>
+                </p:cond>
+              </p:prevCondLst>
+              <p:nextCondLst>
+                <p:cond evt="onNext" delay="0">
+                  <p:tgtEl>
+                    <p:sldTgt/>
+                  </p:tgtEl>
+                </p:cond>
+              </p:nextCondLst>
+            </p:seq>
+          </p:childTnLst>
+        </p:cTn>
+      </p:par>
+    </p:tnLst>
+  </p:timing>
+</p:sld>
+</file>
+
+<file path=ppt/slides/slide23.xml><?xml version="1.0" encoding="utf-8"?>
+<p:sld xmlns:a="http://schemas.openxmlformats.org/drawingml/2006/main" xmlns:r="http://schemas.openxmlformats.org/officeDocument/2006/relationships" xmlns:p="http://schemas.openxmlformats.org/presentationml/2006/main">
+  <p:cSld>
+    <p:spTree>
+      <p:nvGrpSpPr>
+        <p:cNvPr id="1" name=""/>
+        <p:cNvGrpSpPr/>
+        <p:nvPr/>
+      </p:nvGrpSpPr>
+      <p:grpSpPr>
+        <a:xfrm>
+          <a:off x="0" y="0"/>
+          <a:ext cx="0" cy="0"/>
+          <a:chOff x="0" y="0"/>
+          <a:chExt cx="0" cy="0"/>
+        </a:xfrm>
+      </p:grpSpPr>
+      <p:sp>
+        <p:nvSpPr>
+          <p:cNvPr id="2" name="Title 1"/>
+          <p:cNvSpPr>
+            <a:spLocks noGrp="1"/>
+          </p:cNvSpPr>
+          <p:nvPr>
+            <p:ph type="title"/>
+          </p:nvPr>
+        </p:nvSpPr>
         <p:spPr/>
         <p:txBody>
           <a:bodyPr/>
@@ -7140,7 +7481,9 @@
           </a:xfrm>
         </p:spPr>
         <p:txBody>
-          <a:bodyPr/>
+          <a:bodyPr>
+            <a:normAutofit lnSpcReduction="10000"/>
+          </a:bodyPr>
           <a:lstStyle/>
           <a:p>
             <a:r>
@@ -7167,8 +7510,26 @@
             </a:r>
             <a:r>
               <a:rPr lang="en-US" dirty="0" smtClean="0"/>
-              <a:t> establish wiki for community annotation of rules</a:t>
-            </a:r>
+              <a:t> establish wiki for community annotation of </a:t>
+            </a:r>
+            <a:r>
+              <a:rPr lang="en-US" dirty="0" smtClean="0"/>
+              <a:t>rules</a:t>
+            </a:r>
+          </a:p>
+          <a:p>
+            <a:pPr lvl="1"/>
+            <a:r>
+              <a:rPr lang="en-US" dirty="0" smtClean="0"/>
+              <a:t>Need to tidy up code and documentation</a:t>
+            </a:r>
+          </a:p>
+          <a:p>
+            <a:r>
+              <a:rPr lang="en-US" dirty="0" smtClean="0"/>
+              <a:t>More testing on diverse compound sets</a:t>
+            </a:r>
+            <a:endParaRPr lang="en-US" dirty="0" smtClean="0"/>
           </a:p>
           <a:p>
             <a:r>
